--- a/Summary/cartoon_diagrams.pptx
+++ b/Summary/cartoon_diagrams.pptx
@@ -131,7 +131,7 @@
   <pc:docChgLst>
     <pc:chgData name="Jonathan Mah" userId="5261b2f2f3e51194" providerId="LiveId" clId="{326A7032-429C-4F04-AAB0-F25FDBF4CB56}"/>
     <pc:docChg chg="undo custSel addSld delSld modSld">
-      <pc:chgData name="Jonathan Mah" userId="5261b2f2f3e51194" providerId="LiveId" clId="{326A7032-429C-4F04-AAB0-F25FDBF4CB56}" dt="2022-08-11T02:17:32.790" v="815" actId="1076"/>
+      <pc:chgData name="Jonathan Mah" userId="5261b2f2f3e51194" providerId="LiveId" clId="{326A7032-429C-4F04-AAB0-F25FDBF4CB56}" dt="2022-08-22T16:18:14.742" v="816" actId="478"/>
       <pc:docMkLst>
         <pc:docMk/>
       </pc:docMkLst>
@@ -191,7 +191,7 @@
         </pc:cxnChg>
       </pc:sldChg>
       <pc:sldChg chg="addSp delSp modSp new mod">
-        <pc:chgData name="Jonathan Mah" userId="5261b2f2f3e51194" providerId="LiveId" clId="{326A7032-429C-4F04-AAB0-F25FDBF4CB56}" dt="2022-08-11T01:14:49.688" v="102" actId="1076"/>
+        <pc:chgData name="Jonathan Mah" userId="5261b2f2f3e51194" providerId="LiveId" clId="{326A7032-429C-4F04-AAB0-F25FDBF4CB56}" dt="2022-08-22T16:18:14.742" v="816" actId="478"/>
         <pc:sldMkLst>
           <pc:docMk/>
           <pc:sldMk cId="3767384717" sldId="257"/>
@@ -236,8 +236,8 @@
             <ac:picMk id="5" creationId="{AF853671-76A0-EE6D-C860-DE40432908E3}"/>
           </ac:picMkLst>
         </pc:picChg>
-        <pc:picChg chg="add mod">
-          <ac:chgData name="Jonathan Mah" userId="5261b2f2f3e51194" providerId="LiveId" clId="{326A7032-429C-4F04-AAB0-F25FDBF4CB56}" dt="2022-08-11T01:14:46.105" v="101" actId="1076"/>
+        <pc:picChg chg="add del mod">
+          <ac:chgData name="Jonathan Mah" userId="5261b2f2f3e51194" providerId="LiveId" clId="{326A7032-429C-4F04-AAB0-F25FDBF4CB56}" dt="2022-08-22T16:18:14.742" v="816" actId="478"/>
           <ac:picMkLst>
             <pc:docMk/>
             <pc:sldMk cId="3767384717" sldId="257"/>
@@ -1385,7 +1385,7 @@
           <a:p>
             <a:fld id="{1B169201-0221-4D1D-9936-2283557DBA80}" type="datetimeFigureOut">
               <a:rPr lang="en-US" smtClean="0"/>
-              <a:t>8/10/2022</a:t>
+              <a:t>8/22/2022</a:t>
             </a:fld>
             <a:endParaRPr lang="en-US"/>
           </a:p>
@@ -1890,7 +1890,7 @@
           <a:p>
             <a:fld id="{8BA9AE25-8AF5-4D5F-B320-808A8202ED8F}" type="datetimeFigureOut">
               <a:rPr lang="en-US" smtClean="0"/>
-              <a:t>8/10/2022</a:t>
+              <a:t>8/22/2022</a:t>
             </a:fld>
             <a:endParaRPr lang="en-US"/>
           </a:p>
@@ -2060,7 +2060,7 @@
           <a:p>
             <a:fld id="{8BA9AE25-8AF5-4D5F-B320-808A8202ED8F}" type="datetimeFigureOut">
               <a:rPr lang="en-US" smtClean="0"/>
-              <a:t>8/10/2022</a:t>
+              <a:t>8/22/2022</a:t>
             </a:fld>
             <a:endParaRPr lang="en-US"/>
           </a:p>
@@ -2240,7 +2240,7 @@
           <a:p>
             <a:fld id="{8BA9AE25-8AF5-4D5F-B320-808A8202ED8F}" type="datetimeFigureOut">
               <a:rPr lang="en-US" smtClean="0"/>
-              <a:t>8/10/2022</a:t>
+              <a:t>8/22/2022</a:t>
             </a:fld>
             <a:endParaRPr lang="en-US"/>
           </a:p>
@@ -2410,7 +2410,7 @@
           <a:p>
             <a:fld id="{8BA9AE25-8AF5-4D5F-B320-808A8202ED8F}" type="datetimeFigureOut">
               <a:rPr lang="en-US" smtClean="0"/>
-              <a:t>8/10/2022</a:t>
+              <a:t>8/22/2022</a:t>
             </a:fld>
             <a:endParaRPr lang="en-US"/>
           </a:p>
@@ -2654,7 +2654,7 @@
           <a:p>
             <a:fld id="{8BA9AE25-8AF5-4D5F-B320-808A8202ED8F}" type="datetimeFigureOut">
               <a:rPr lang="en-US" smtClean="0"/>
-              <a:t>8/10/2022</a:t>
+              <a:t>8/22/2022</a:t>
             </a:fld>
             <a:endParaRPr lang="en-US"/>
           </a:p>
@@ -2886,7 +2886,7 @@
           <a:p>
             <a:fld id="{8BA9AE25-8AF5-4D5F-B320-808A8202ED8F}" type="datetimeFigureOut">
               <a:rPr lang="en-US" smtClean="0"/>
-              <a:t>8/10/2022</a:t>
+              <a:t>8/22/2022</a:t>
             </a:fld>
             <a:endParaRPr lang="en-US"/>
           </a:p>
@@ -3253,7 +3253,7 @@
           <a:p>
             <a:fld id="{8BA9AE25-8AF5-4D5F-B320-808A8202ED8F}" type="datetimeFigureOut">
               <a:rPr lang="en-US" smtClean="0"/>
-              <a:t>8/10/2022</a:t>
+              <a:t>8/22/2022</a:t>
             </a:fld>
             <a:endParaRPr lang="en-US"/>
           </a:p>
@@ -3371,7 +3371,7 @@
           <a:p>
             <a:fld id="{8BA9AE25-8AF5-4D5F-B320-808A8202ED8F}" type="datetimeFigureOut">
               <a:rPr lang="en-US" smtClean="0"/>
-              <a:t>8/10/2022</a:t>
+              <a:t>8/22/2022</a:t>
             </a:fld>
             <a:endParaRPr lang="en-US"/>
           </a:p>
@@ -3466,7 +3466,7 @@
           <a:p>
             <a:fld id="{8BA9AE25-8AF5-4D5F-B320-808A8202ED8F}" type="datetimeFigureOut">
               <a:rPr lang="en-US" smtClean="0"/>
-              <a:t>8/10/2022</a:t>
+              <a:t>8/22/2022</a:t>
             </a:fld>
             <a:endParaRPr lang="en-US"/>
           </a:p>
@@ -3743,7 +3743,7 @@
           <a:p>
             <a:fld id="{8BA9AE25-8AF5-4D5F-B320-808A8202ED8F}" type="datetimeFigureOut">
               <a:rPr lang="en-US" smtClean="0"/>
-              <a:t>8/10/2022</a:t>
+              <a:t>8/22/2022</a:t>
             </a:fld>
             <a:endParaRPr lang="en-US"/>
           </a:p>
@@ -4000,7 +4000,7 @@
           <a:p>
             <a:fld id="{8BA9AE25-8AF5-4D5F-B320-808A8202ED8F}" type="datetimeFigureOut">
               <a:rPr lang="en-US" smtClean="0"/>
-              <a:t>8/10/2022</a:t>
+              <a:t>8/22/2022</a:t>
             </a:fld>
             <a:endParaRPr lang="en-US"/>
           </a:p>
@@ -4213,7 +4213,7 @@
           <a:p>
             <a:fld id="{8BA9AE25-8AF5-4D5F-B320-808A8202ED8F}" type="datetimeFigureOut">
               <a:rPr lang="en-US" smtClean="0"/>
-              <a:t>8/10/2022</a:t>
+              <a:t>8/22/2022</a:t>
             </a:fld>
             <a:endParaRPr lang="en-US"/>
           </a:p>
@@ -5457,36 +5457,6 @@
           <a:xfrm>
             <a:off x="1806594" y="235347"/>
             <a:ext cx="9135751" cy="5041335"/>
-          </a:xfrm>
-          <a:prstGeom prst="rect">
-            <a:avLst/>
-          </a:prstGeom>
-        </p:spPr>
-      </p:pic>
-      <p:pic>
-        <p:nvPicPr>
-          <p:cNvPr id="6" name="Picture 5">
-            <a:extLst>
-              <a:ext uri="{FF2B5EF4-FFF2-40B4-BE49-F238E27FC236}">
-                <a16:creationId xmlns:a16="http://schemas.microsoft.com/office/drawing/2014/main" id="{865F6803-6186-1FCE-D51A-722182DDD546}"/>
-              </a:ext>
-            </a:extLst>
-          </p:cNvPr>
-          <p:cNvPicPr>
-            <a:picLocks noChangeAspect="1"/>
-          </p:cNvPicPr>
-          <p:nvPr/>
-        </p:nvPicPr>
-        <p:blipFill>
-          <a:blip r:embed="rId3"/>
-          <a:stretch>
-            <a:fillRect/>
-          </a:stretch>
-        </p:blipFill>
-        <p:spPr>
-          <a:xfrm>
-            <a:off x="1859255" y="5486400"/>
-            <a:ext cx="7877086" cy="5041336"/>
           </a:xfrm>
           <a:prstGeom prst="rect">
             <a:avLst/>

--- a/Summary/cartoon_diagrams.pptx
+++ b/Summary/cartoon_diagrams.pptx
@@ -121,7 +121,7 @@
 <file path=ppt/revisionInfo.xml><?xml version="1.0" encoding="utf-8"?>
 <p1510:revInfo xmlns:a="http://schemas.openxmlformats.org/drawingml/2006/main" xmlns:r="http://schemas.openxmlformats.org/officeDocument/2006/relationships" xmlns:p1510="http://schemas.microsoft.com/office/powerpoint/2015/10/main">
   <p1510:revLst>
-    <p1510:client id="{326A7032-429C-4F04-AAB0-F25FDBF4CB56}" v="13" dt="2022-08-11T02:17:21.144"/>
+    <p1510:client id="{326A7032-429C-4F04-AAB0-F25FDBF4CB56}" v="17" dt="2022-08-22T17:53:58.219"/>
   </p1510:revLst>
 </p1510:revInfo>
 </file>
@@ -131,7 +131,7 @@
   <pc:docChgLst>
     <pc:chgData name="Jonathan Mah" userId="5261b2f2f3e51194" providerId="LiveId" clId="{326A7032-429C-4F04-AAB0-F25FDBF4CB56}"/>
     <pc:docChg chg="undo custSel addSld delSld modSld">
-      <pc:chgData name="Jonathan Mah" userId="5261b2f2f3e51194" providerId="LiveId" clId="{326A7032-429C-4F04-AAB0-F25FDBF4CB56}" dt="2022-08-22T16:18:14.742" v="816" actId="478"/>
+      <pc:chgData name="Jonathan Mah" userId="5261b2f2f3e51194" providerId="LiveId" clId="{326A7032-429C-4F04-AAB0-F25FDBF4CB56}" dt="2022-08-22T17:54:04.689" v="828" actId="1076"/>
       <pc:docMkLst>
         <pc:docMk/>
       </pc:docMkLst>
@@ -191,7 +191,7 @@
         </pc:cxnChg>
       </pc:sldChg>
       <pc:sldChg chg="addSp delSp modSp new mod">
-        <pc:chgData name="Jonathan Mah" userId="5261b2f2f3e51194" providerId="LiveId" clId="{326A7032-429C-4F04-AAB0-F25FDBF4CB56}" dt="2022-08-22T16:18:14.742" v="816" actId="478"/>
+        <pc:chgData name="Jonathan Mah" userId="5261b2f2f3e51194" providerId="LiveId" clId="{326A7032-429C-4F04-AAB0-F25FDBF4CB56}" dt="2022-08-22T17:54:04.689" v="828" actId="1076"/>
         <pc:sldMkLst>
           <pc:docMk/>
           <pc:sldMk cId="3767384717" sldId="257"/>
@@ -212,6 +212,14 @@
             <ac:spMk id="3" creationId="{029FC977-2C97-8FF3-CDBA-64B7891E25C0}"/>
           </ac:spMkLst>
         </pc:spChg>
+        <pc:spChg chg="add del">
+          <ac:chgData name="Jonathan Mah" userId="5261b2f2f3e51194" providerId="LiveId" clId="{326A7032-429C-4F04-AAB0-F25FDBF4CB56}" dt="2022-08-22T17:53:58.197" v="823"/>
+          <ac:spMkLst>
+            <pc:docMk/>
+            <pc:sldMk cId="3767384717" sldId="257"/>
+            <ac:spMk id="4" creationId="{BF567BA6-7764-ECD1-60CF-02C61FE67785}"/>
+          </ac:spMkLst>
+        </pc:spChg>
         <pc:spChg chg="add mod">
           <ac:chgData name="Jonathan Mah" userId="5261b2f2f3e51194" providerId="LiveId" clId="{326A7032-429C-4F04-AAB0-F25FDBF4CB56}" dt="2022-08-11T01:14:40.932" v="100" actId="1076"/>
           <ac:spMkLst>
@@ -228,6 +236,14 @@
             <ac:spMk id="8" creationId="{3DA8ADC5-BB00-5131-1EB5-301544CF20D0}"/>
           </ac:spMkLst>
         </pc:spChg>
+        <pc:picChg chg="add del mod">
+          <ac:chgData name="Jonathan Mah" userId="5261b2f2f3e51194" providerId="LiveId" clId="{326A7032-429C-4F04-AAB0-F25FDBF4CB56}" dt="2022-08-22T17:53:51.163" v="821" actId="478"/>
+          <ac:picMkLst>
+            <pc:docMk/>
+            <pc:sldMk cId="3767384717" sldId="257"/>
+            <ac:picMk id="3" creationId="{78939E07-5BC1-2B1D-1328-EFFEB2664F9F}"/>
+          </ac:picMkLst>
+        </pc:picChg>
         <pc:picChg chg="add mod">
           <ac:chgData name="Jonathan Mah" userId="5261b2f2f3e51194" providerId="LiveId" clId="{326A7032-429C-4F04-AAB0-F25FDBF4CB56}" dt="2022-08-11T01:14:38.032" v="99" actId="1076"/>
           <ac:picMkLst>
@@ -242,6 +258,14 @@
             <pc:docMk/>
             <pc:sldMk cId="3767384717" sldId="257"/>
             <ac:picMk id="6" creationId="{865F6803-6186-1FCE-D51A-722182DDD546}"/>
+          </ac:picMkLst>
+        </pc:picChg>
+        <pc:picChg chg="add mod">
+          <ac:chgData name="Jonathan Mah" userId="5261b2f2f3e51194" providerId="LiveId" clId="{326A7032-429C-4F04-AAB0-F25FDBF4CB56}" dt="2022-08-22T17:54:04.689" v="828" actId="1076"/>
+          <ac:picMkLst>
+            <pc:docMk/>
+            <pc:sldMk cId="3767384717" sldId="257"/>
+            <ac:picMk id="9" creationId="{3F2F7E03-10BC-5C6D-BAAB-81DCB792E512}"/>
           </ac:picMkLst>
         </pc:picChg>
       </pc:sldChg>
@@ -5539,6 +5563,36 @@
           </a:p>
         </p:txBody>
       </p:sp>
+      <p:pic>
+        <p:nvPicPr>
+          <p:cNvPr id="9" name="Picture 8">
+            <a:extLst>
+              <a:ext uri="{FF2B5EF4-FFF2-40B4-BE49-F238E27FC236}">
+                <a16:creationId xmlns:a16="http://schemas.microsoft.com/office/drawing/2014/main" id="{3F2F7E03-10BC-5C6D-BAAB-81DCB792E512}"/>
+              </a:ext>
+            </a:extLst>
+          </p:cNvPr>
+          <p:cNvPicPr>
+            <a:picLocks noChangeAspect="1"/>
+          </p:cNvPicPr>
+          <p:nvPr/>
+        </p:nvPicPr>
+        <p:blipFill>
+          <a:blip r:embed="rId3"/>
+          <a:stretch>
+            <a:fillRect/>
+          </a:stretch>
+        </p:blipFill>
+        <p:spPr>
+          <a:xfrm>
+            <a:off x="1935520" y="5292136"/>
+            <a:ext cx="8877897" cy="5680664"/>
+          </a:xfrm>
+          <a:prstGeom prst="rect">
+            <a:avLst/>
+          </a:prstGeom>
+        </p:spPr>
+      </p:pic>
     </p:spTree>
     <p:extLst>
       <p:ext uri="{BB962C8B-B14F-4D97-AF65-F5344CB8AC3E}">
